--- a/Projekt_Überblick.pptx
+++ b/Projekt_Überblick.pptx
@@ -266,7 +266,7 @@
           <a:p>
             <a:fld id="{D9DC8A13-B75D-4AC9-B8D7-EFCE3EE9CEF7}" type="datetimeFigureOut">
               <a:rPr lang="de-DE" smtClean="0"/>
-              <a:t>29.03.2025</a:t>
+              <a:t>30.03.2025</a:t>
             </a:fld>
             <a:endParaRPr lang="de-DE"/>
           </a:p>
@@ -464,7 +464,7 @@
           <a:p>
             <a:fld id="{D9DC8A13-B75D-4AC9-B8D7-EFCE3EE9CEF7}" type="datetimeFigureOut">
               <a:rPr lang="de-DE" smtClean="0"/>
-              <a:t>29.03.2025</a:t>
+              <a:t>30.03.2025</a:t>
             </a:fld>
             <a:endParaRPr lang="de-DE"/>
           </a:p>
@@ -672,7 +672,7 @@
           <a:p>
             <a:fld id="{D9DC8A13-B75D-4AC9-B8D7-EFCE3EE9CEF7}" type="datetimeFigureOut">
               <a:rPr lang="de-DE" smtClean="0"/>
-              <a:t>29.03.2025</a:t>
+              <a:t>30.03.2025</a:t>
             </a:fld>
             <a:endParaRPr lang="de-DE"/>
           </a:p>
@@ -870,7 +870,7 @@
           <a:p>
             <a:fld id="{D9DC8A13-B75D-4AC9-B8D7-EFCE3EE9CEF7}" type="datetimeFigureOut">
               <a:rPr lang="de-DE" smtClean="0"/>
-              <a:t>29.03.2025</a:t>
+              <a:t>30.03.2025</a:t>
             </a:fld>
             <a:endParaRPr lang="de-DE"/>
           </a:p>
@@ -1145,7 +1145,7 @@
           <a:p>
             <a:fld id="{D9DC8A13-B75D-4AC9-B8D7-EFCE3EE9CEF7}" type="datetimeFigureOut">
               <a:rPr lang="de-DE" smtClean="0"/>
-              <a:t>29.03.2025</a:t>
+              <a:t>30.03.2025</a:t>
             </a:fld>
             <a:endParaRPr lang="de-DE"/>
           </a:p>
@@ -1410,7 +1410,7 @@
           <a:p>
             <a:fld id="{D9DC8A13-B75D-4AC9-B8D7-EFCE3EE9CEF7}" type="datetimeFigureOut">
               <a:rPr lang="de-DE" smtClean="0"/>
-              <a:t>29.03.2025</a:t>
+              <a:t>30.03.2025</a:t>
             </a:fld>
             <a:endParaRPr lang="de-DE"/>
           </a:p>
@@ -1822,7 +1822,7 @@
           <a:p>
             <a:fld id="{D9DC8A13-B75D-4AC9-B8D7-EFCE3EE9CEF7}" type="datetimeFigureOut">
               <a:rPr lang="de-DE" smtClean="0"/>
-              <a:t>29.03.2025</a:t>
+              <a:t>30.03.2025</a:t>
             </a:fld>
             <a:endParaRPr lang="de-DE"/>
           </a:p>
@@ -1963,7 +1963,7 @@
           <a:p>
             <a:fld id="{D9DC8A13-B75D-4AC9-B8D7-EFCE3EE9CEF7}" type="datetimeFigureOut">
               <a:rPr lang="de-DE" smtClean="0"/>
-              <a:t>29.03.2025</a:t>
+              <a:t>30.03.2025</a:t>
             </a:fld>
             <a:endParaRPr lang="de-DE"/>
           </a:p>
@@ -2076,7 +2076,7 @@
           <a:p>
             <a:fld id="{D9DC8A13-B75D-4AC9-B8D7-EFCE3EE9CEF7}" type="datetimeFigureOut">
               <a:rPr lang="de-DE" smtClean="0"/>
-              <a:t>29.03.2025</a:t>
+              <a:t>30.03.2025</a:t>
             </a:fld>
             <a:endParaRPr lang="de-DE"/>
           </a:p>
@@ -2387,7 +2387,7 @@
           <a:p>
             <a:fld id="{D9DC8A13-B75D-4AC9-B8D7-EFCE3EE9CEF7}" type="datetimeFigureOut">
               <a:rPr lang="de-DE" smtClean="0"/>
-              <a:t>29.03.2025</a:t>
+              <a:t>30.03.2025</a:t>
             </a:fld>
             <a:endParaRPr lang="de-DE"/>
           </a:p>
@@ -2675,7 +2675,7 @@
           <a:p>
             <a:fld id="{D9DC8A13-B75D-4AC9-B8D7-EFCE3EE9CEF7}" type="datetimeFigureOut">
               <a:rPr lang="de-DE" smtClean="0"/>
-              <a:t>29.03.2025</a:t>
+              <a:t>30.03.2025</a:t>
             </a:fld>
             <a:endParaRPr lang="de-DE"/>
           </a:p>
@@ -2916,7 +2916,7 @@
           <a:p>
             <a:fld id="{D9DC8A13-B75D-4AC9-B8D7-EFCE3EE9CEF7}" type="datetimeFigureOut">
               <a:rPr lang="de-DE" smtClean="0"/>
-              <a:t>29.03.2025</a:t>
+              <a:t>30.03.2025</a:t>
             </a:fld>
             <a:endParaRPr lang="de-DE"/>
           </a:p>
@@ -3792,13 +3792,13 @@
         <p:spPr/>
         <p:txBody>
           <a:bodyPr>
-            <a:normAutofit fontScale="55000" lnSpcReduction="20000"/>
+            <a:normAutofit fontScale="47500" lnSpcReduction="20000"/>
           </a:bodyPr>
           <a:lstStyle/>
           <a:p>
             <a:r>
               <a:rPr lang="de-DE" dirty="0"/>
-              <a:t>Zelltemperatur (NOCT Modell)</a:t>
+              <a:t>Zelltemperatur (Schätzung mit NOCT)</a:t>
             </a:r>
           </a:p>
           <a:p>
@@ -3980,6 +3980,36 @@
               <a:t>pvl_getaoi</a:t>
             </a:r>
             <a:endParaRPr lang="de-DE" dirty="0"/>
+          </a:p>
+          <a:p>
+            <a:r>
+              <a:rPr lang="de-DE" dirty="0"/>
+              <a:t>Geografische Daten</a:t>
+            </a:r>
+          </a:p>
+          <a:p>
+            <a:pPr lvl="1"/>
+            <a:r>
+              <a:rPr lang="de-DE" dirty="0"/>
+              <a:t>Koordinaten:  </a:t>
+            </a:r>
+            <a:r>
+              <a:rPr lang="de-DE" sz="2300" dirty="0">
+                <a:effectLst/>
+                <a:latin typeface="+mj-lt"/>
+                <a:ea typeface="Times New Roman" panose="02020603050405020304" pitchFamily="18" charset="0"/>
+              </a:rPr>
+              <a:t>Lat = 48.61°, Long = 10.77° </a:t>
+            </a:r>
+          </a:p>
+          <a:p>
+            <a:pPr lvl="1"/>
+            <a:r>
+              <a:rPr lang="de-DE" sz="2300" dirty="0">
+                <a:latin typeface="+mj-lt"/>
+              </a:rPr>
+              <a:t>Höhenlage ü. NN: 442m</a:t>
+            </a:r>
           </a:p>
         </p:txBody>
       </p:sp>
@@ -4533,25 +4563,7 @@
               <a:rPr lang="de-DE" dirty="0">
                 <a:hlinkClick r:id="rId3"/>
               </a:rPr>
-              <a:t>https</a:t>
-            </a:r>
-            <a:r>
-              <a:rPr lang="de-DE">
-                <a:hlinkClick r:id="rId3"/>
-              </a:rPr>
-              <a:t>://de-de</a:t>
-            </a:r>
-            <a:r>
-              <a:rPr lang="de-DE" dirty="0">
-                <a:hlinkClick r:id="rId3"/>
-              </a:rPr>
-              <a:t>.topographic-map.</a:t>
-            </a:r>
-            <a:r>
-              <a:rPr lang="de-DE">
-                <a:hlinkClick r:id="rId3"/>
-              </a:rPr>
-              <a:t>com/</a:t>
+              <a:t>https://de-de.topographic-map.com/</a:t>
             </a:r>
             <a:endParaRPr lang="de-DE" dirty="0"/>
           </a:p>
